--- a/mlu-mlta/Lessons/DEV_MLUMLA-EN-M2-L1.pptx
+++ b/mlu-mlta/Lessons/DEV_MLUMLA-EN-M2-L1.pptx
@@ -284,7 +284,7 @@
           <a:p>
             <a:fld id="{AEBE8F7F-7943-4CB0-9835-5EA2945AF383}" type="datetimeFigureOut">
               <a:rPr lang="en-US" smtClean="0"/>
-              <a:t>5/5/25</a:t>
+              <a:t>6/25/25</a:t>
             </a:fld>
             <a:endParaRPr lang="en-US" dirty="0"/>
           </a:p>
@@ -3283,7 +3283,7 @@
           <a:p>
             <a:fld id="{A5FF6604-54E0-5345-B4CA-712EC0A7E9DE}" type="datetimeFigureOut">
               <a:rPr lang="en-US" smtClean="0"/>
-              <a:t>5/5/25</a:t>
+              <a:t>6/25/25</a:t>
             </a:fld>
             <a:endParaRPr lang="en-US"/>
           </a:p>
@@ -3481,7 +3481,7 @@
           <a:p>
             <a:fld id="{A5FF6604-54E0-5345-B4CA-712EC0A7E9DE}" type="datetimeFigureOut">
               <a:rPr lang="en-US" smtClean="0"/>
-              <a:t>5/5/25</a:t>
+              <a:t>6/25/25</a:t>
             </a:fld>
             <a:endParaRPr lang="en-US"/>
           </a:p>
@@ -3689,7 +3689,7 @@
           <a:p>
             <a:fld id="{A5FF6604-54E0-5345-B4CA-712EC0A7E9DE}" type="datetimeFigureOut">
               <a:rPr lang="en-US" smtClean="0"/>
-              <a:t>5/5/25</a:t>
+              <a:t>6/25/25</a:t>
             </a:fld>
             <a:endParaRPr lang="en-US"/>
           </a:p>
@@ -6440,7 +6440,7 @@
           <a:p>
             <a:fld id="{A5FF6604-54E0-5345-B4CA-712EC0A7E9DE}" type="datetimeFigureOut">
               <a:rPr lang="en-US" smtClean="0"/>
-              <a:t>5/5/25</a:t>
+              <a:t>6/25/25</a:t>
             </a:fld>
             <a:endParaRPr lang="en-US"/>
           </a:p>
@@ -7593,7 +7593,7 @@
           <a:p>
             <a:fld id="{A5FF6604-54E0-5345-B4CA-712EC0A7E9DE}" type="datetimeFigureOut">
               <a:rPr lang="en-US" smtClean="0"/>
-              <a:t>5/5/25</a:t>
+              <a:t>6/25/25</a:t>
             </a:fld>
             <a:endParaRPr lang="en-US"/>
           </a:p>
@@ -7858,7 +7858,7 @@
           <a:p>
             <a:fld id="{A5FF6604-54E0-5345-B4CA-712EC0A7E9DE}" type="datetimeFigureOut">
               <a:rPr lang="en-US" smtClean="0"/>
-              <a:t>5/5/25</a:t>
+              <a:t>6/25/25</a:t>
             </a:fld>
             <a:endParaRPr lang="en-US"/>
           </a:p>
@@ -8270,7 +8270,7 @@
           <a:p>
             <a:fld id="{A5FF6604-54E0-5345-B4CA-712EC0A7E9DE}" type="datetimeFigureOut">
               <a:rPr lang="en-US" smtClean="0"/>
-              <a:t>5/5/25</a:t>
+              <a:t>6/25/25</a:t>
             </a:fld>
             <a:endParaRPr lang="en-US"/>
           </a:p>
@@ -8411,7 +8411,7 @@
           <a:p>
             <a:fld id="{A5FF6604-54E0-5345-B4CA-712EC0A7E9DE}" type="datetimeFigureOut">
               <a:rPr lang="en-US" smtClean="0"/>
-              <a:t>5/5/25</a:t>
+              <a:t>6/25/25</a:t>
             </a:fld>
             <a:endParaRPr lang="en-US"/>
           </a:p>
@@ -8524,7 +8524,7 @@
           <a:p>
             <a:fld id="{A5FF6604-54E0-5345-B4CA-712EC0A7E9DE}" type="datetimeFigureOut">
               <a:rPr lang="en-US" smtClean="0"/>
-              <a:t>5/5/25</a:t>
+              <a:t>6/25/25</a:t>
             </a:fld>
             <a:endParaRPr lang="en-US"/>
           </a:p>
@@ -8835,7 +8835,7 @@
           <a:p>
             <a:fld id="{A5FF6604-54E0-5345-B4CA-712EC0A7E9DE}" type="datetimeFigureOut">
               <a:rPr lang="en-US" smtClean="0"/>
-              <a:t>5/5/25</a:t>
+              <a:t>6/25/25</a:t>
             </a:fld>
             <a:endParaRPr lang="en-US"/>
           </a:p>
@@ -9123,7 +9123,7 @@
           <a:p>
             <a:fld id="{A5FF6604-54E0-5345-B4CA-712EC0A7E9DE}" type="datetimeFigureOut">
               <a:rPr lang="en-US" smtClean="0"/>
-              <a:t>5/5/25</a:t>
+              <a:t>6/25/25</a:t>
             </a:fld>
             <a:endParaRPr lang="en-US"/>
           </a:p>
@@ -9364,7 +9364,7 @@
           <a:p>
             <a:fld id="{A5FF6604-54E0-5345-B4CA-712EC0A7E9DE}" type="datetimeFigureOut">
               <a:rPr lang="en-US" smtClean="0"/>
-              <a:t>5/5/25</a:t>
+              <a:t>6/25/25</a:t>
             </a:fld>
             <a:endParaRPr lang="en-US"/>
           </a:p>
